--- a/Box/Labels.pptx
+++ b/Box/Labels.pptx
@@ -6,6 +6,7 @@
   </p:sldMasterIdLst>
   <p:sldIdLst>
     <p:sldId id="256" r:id="rId2"/>
+    <p:sldId id="257" r:id="rId3"/>
   </p:sldIdLst>
   <p:sldSz cx="9906000" cy="6858000" type="A4"/>
   <p:notesSz cx="6858000" cy="9144000"/>
@@ -104,6 +105,11 @@
       </a:defRPr>
     </a:lvl9pPr>
   </p:defaultTextStyle>
+  <p:extLst>
+    <p:ext uri="{EFAFB233-063F-42B5-8137-9DF3F51BA10A}">
+      <p15:sldGuideLst xmlns:p15="http://schemas.microsoft.com/office/powerpoint/2012/main"/>
+    </p:ext>
+  </p:extLst>
 </p:presentation>
 </file>
 
@@ -238,7 +244,7 @@
           <a:p>
             <a:fld id="{D6ACBE17-AB56-42E2-805C-AD233D7982BD}" type="datetimeFigureOut">
               <a:rPr lang="sv-SE" smtClean="0"/>
-              <a:t>2023-03-08</a:t>
+              <a:t>2023-03-29</a:t>
             </a:fld>
             <a:endParaRPr lang="sv-SE"/>
           </a:p>
@@ -408,7 +414,7 @@
           <a:p>
             <a:fld id="{D6ACBE17-AB56-42E2-805C-AD233D7982BD}" type="datetimeFigureOut">
               <a:rPr lang="sv-SE" smtClean="0"/>
-              <a:t>2023-03-08</a:t>
+              <a:t>2023-03-29</a:t>
             </a:fld>
             <a:endParaRPr lang="sv-SE"/>
           </a:p>
@@ -588,7 +594,7 @@
           <a:p>
             <a:fld id="{D6ACBE17-AB56-42E2-805C-AD233D7982BD}" type="datetimeFigureOut">
               <a:rPr lang="sv-SE" smtClean="0"/>
-              <a:t>2023-03-08</a:t>
+              <a:t>2023-03-29</a:t>
             </a:fld>
             <a:endParaRPr lang="sv-SE"/>
           </a:p>
@@ -758,7 +764,7 @@
           <a:p>
             <a:fld id="{D6ACBE17-AB56-42E2-805C-AD233D7982BD}" type="datetimeFigureOut">
               <a:rPr lang="sv-SE" smtClean="0"/>
-              <a:t>2023-03-08</a:t>
+              <a:t>2023-03-29</a:t>
             </a:fld>
             <a:endParaRPr lang="sv-SE"/>
           </a:p>
@@ -1002,7 +1008,7 @@
           <a:p>
             <a:fld id="{D6ACBE17-AB56-42E2-805C-AD233D7982BD}" type="datetimeFigureOut">
               <a:rPr lang="sv-SE" smtClean="0"/>
-              <a:t>2023-03-08</a:t>
+              <a:t>2023-03-29</a:t>
             </a:fld>
             <a:endParaRPr lang="sv-SE"/>
           </a:p>
@@ -1234,7 +1240,7 @@
           <a:p>
             <a:fld id="{D6ACBE17-AB56-42E2-805C-AD233D7982BD}" type="datetimeFigureOut">
               <a:rPr lang="sv-SE" smtClean="0"/>
-              <a:t>2023-03-08</a:t>
+              <a:t>2023-03-29</a:t>
             </a:fld>
             <a:endParaRPr lang="sv-SE"/>
           </a:p>
@@ -1601,7 +1607,7 @@
           <a:p>
             <a:fld id="{D6ACBE17-AB56-42E2-805C-AD233D7982BD}" type="datetimeFigureOut">
               <a:rPr lang="sv-SE" smtClean="0"/>
-              <a:t>2023-03-08</a:t>
+              <a:t>2023-03-29</a:t>
             </a:fld>
             <a:endParaRPr lang="sv-SE"/>
           </a:p>
@@ -1719,7 +1725,7 @@
           <a:p>
             <a:fld id="{D6ACBE17-AB56-42E2-805C-AD233D7982BD}" type="datetimeFigureOut">
               <a:rPr lang="sv-SE" smtClean="0"/>
-              <a:t>2023-03-08</a:t>
+              <a:t>2023-03-29</a:t>
             </a:fld>
             <a:endParaRPr lang="sv-SE"/>
           </a:p>
@@ -1814,7 +1820,7 @@
           <a:p>
             <a:fld id="{D6ACBE17-AB56-42E2-805C-AD233D7982BD}" type="datetimeFigureOut">
               <a:rPr lang="sv-SE" smtClean="0"/>
-              <a:t>2023-03-08</a:t>
+              <a:t>2023-03-29</a:t>
             </a:fld>
             <a:endParaRPr lang="sv-SE"/>
           </a:p>
@@ -2091,7 +2097,7 @@
           <a:p>
             <a:fld id="{D6ACBE17-AB56-42E2-805C-AD233D7982BD}" type="datetimeFigureOut">
               <a:rPr lang="sv-SE" smtClean="0"/>
-              <a:t>2023-03-08</a:t>
+              <a:t>2023-03-29</a:t>
             </a:fld>
             <a:endParaRPr lang="sv-SE"/>
           </a:p>
@@ -2348,7 +2354,7 @@
           <a:p>
             <a:fld id="{D6ACBE17-AB56-42E2-805C-AD233D7982BD}" type="datetimeFigureOut">
               <a:rPr lang="sv-SE" smtClean="0"/>
-              <a:t>2023-03-08</a:t>
+              <a:t>2023-03-29</a:t>
             </a:fld>
             <a:endParaRPr lang="sv-SE"/>
           </a:p>
@@ -2561,7 +2567,7 @@
           <a:p>
             <a:fld id="{D6ACBE17-AB56-42E2-805C-AD233D7982BD}" type="datetimeFigureOut">
               <a:rPr lang="sv-SE" smtClean="0"/>
-              <a:t>2023-03-08</a:t>
+              <a:t>2023-03-29</a:t>
             </a:fld>
             <a:endParaRPr lang="sv-SE"/>
           </a:p>
@@ -5130,6 +5136,1075 @@
 </p:sld>
 </file>
 
+<file path=ppt/slides/slide2.xml><?xml version="1.0" encoding="utf-8"?>
+<p:sld xmlns:a="http://schemas.openxmlformats.org/drawingml/2006/main" xmlns:r="http://schemas.openxmlformats.org/officeDocument/2006/relationships" xmlns:p="http://schemas.openxmlformats.org/presentationml/2006/main">
+  <p:cSld>
+    <p:spTree>
+      <p:nvGrpSpPr>
+        <p:cNvPr id="1" name=""/>
+        <p:cNvGrpSpPr/>
+        <p:nvPr/>
+      </p:nvGrpSpPr>
+      <p:grpSpPr>
+        <a:xfrm>
+          <a:off x="0" y="0"/>
+          <a:ext cx="0" cy="0"/>
+          <a:chOff x="0" y="0"/>
+          <a:chExt cx="0" cy="0"/>
+        </a:xfrm>
+      </p:grpSpPr>
+      <p:pic>
+        <p:nvPicPr>
+          <p:cNvPr id="9" name="Picture 8">
+            <a:extLst>
+              <a:ext uri="{FF2B5EF4-FFF2-40B4-BE49-F238E27FC236}">
+                <a16:creationId xmlns:a16="http://schemas.microsoft.com/office/drawing/2014/main" id="{7B780C16-6D62-6444-ADBA-DC5B08835756}"/>
+              </a:ext>
+            </a:extLst>
+          </p:cNvPr>
+          <p:cNvPicPr>
+            <a:picLocks noChangeAspect="1"/>
+          </p:cNvPicPr>
+          <p:nvPr/>
+        </p:nvPicPr>
+        <p:blipFill>
+          <a:blip r:embed="rId2">
+            <a:extLst>
+              <a:ext uri="{28A0092B-C50C-407E-A947-70E740481C1C}">
+                <a14:useLocalDpi xmlns:a14="http://schemas.microsoft.com/office/drawing/2010/main" val="0"/>
+              </a:ext>
+            </a:extLst>
+          </a:blip>
+          <a:stretch>
+            <a:fillRect/>
+          </a:stretch>
+        </p:blipFill>
+        <p:spPr>
+          <a:xfrm>
+            <a:off x="2080052" y="534353"/>
+            <a:ext cx="5612339" cy="5447083"/>
+          </a:xfrm>
+          <a:prstGeom prst="rect">
+            <a:avLst/>
+          </a:prstGeom>
+        </p:spPr>
+      </p:pic>
+      <p:sp>
+        <p:nvSpPr>
+          <p:cNvPr id="15" name="Rectangle: Rounded Corners 14">
+            <a:extLst>
+              <a:ext uri="{FF2B5EF4-FFF2-40B4-BE49-F238E27FC236}">
+                <a16:creationId xmlns:a16="http://schemas.microsoft.com/office/drawing/2014/main" id="{8EFE501A-430B-7468-13FC-81C9A6836FC6}"/>
+              </a:ext>
+            </a:extLst>
+          </p:cNvPr>
+          <p:cNvSpPr/>
+          <p:nvPr/>
+        </p:nvSpPr>
+        <p:spPr>
+          <a:xfrm>
+            <a:off x="6943722" y="4412247"/>
+            <a:ext cx="391477" cy="145733"/>
+          </a:xfrm>
+          <a:prstGeom prst="roundRect">
+            <a:avLst/>
+          </a:prstGeom>
+        </p:spPr>
+        <p:style>
+          <a:lnRef idx="2">
+            <a:schemeClr val="accent1">
+              <a:shade val="50000"/>
+            </a:schemeClr>
+          </a:lnRef>
+          <a:fillRef idx="1">
+            <a:schemeClr val="accent1"/>
+          </a:fillRef>
+          <a:effectRef idx="0">
+            <a:schemeClr val="accent1"/>
+          </a:effectRef>
+          <a:fontRef idx="minor">
+            <a:schemeClr val="lt1"/>
+          </a:fontRef>
+        </p:style>
+        <p:txBody>
+          <a:bodyPr rtlCol="0" anchor="ctr"/>
+          <a:lstStyle/>
+          <a:p>
+            <a:pPr algn="ctr"/>
+            <a:r>
+              <a:rPr lang="en-US" sz="900" dirty="0"/>
+              <a:t>Led</a:t>
+            </a:r>
+            <a:endParaRPr lang="sv-SE" sz="900" dirty="0"/>
+          </a:p>
+        </p:txBody>
+      </p:sp>
+      <p:sp>
+        <p:nvSpPr>
+          <p:cNvPr id="16" name="Rectangle: Rounded Corners 15">
+            <a:extLst>
+              <a:ext uri="{FF2B5EF4-FFF2-40B4-BE49-F238E27FC236}">
+                <a16:creationId xmlns:a16="http://schemas.microsoft.com/office/drawing/2014/main" id="{F4CF6BD6-54EF-1F3E-C5E3-8A08728304C0}"/>
+              </a:ext>
+            </a:extLst>
+          </p:cNvPr>
+          <p:cNvSpPr/>
+          <p:nvPr/>
+        </p:nvSpPr>
+        <p:spPr>
+          <a:xfrm>
+            <a:off x="6943722" y="4160444"/>
+            <a:ext cx="391477" cy="145733"/>
+          </a:xfrm>
+          <a:prstGeom prst="roundRect">
+            <a:avLst/>
+          </a:prstGeom>
+          <a:solidFill>
+            <a:srgbClr val="FF0000"/>
+          </a:solidFill>
+        </p:spPr>
+        <p:style>
+          <a:lnRef idx="2">
+            <a:schemeClr val="accent1">
+              <a:shade val="50000"/>
+            </a:schemeClr>
+          </a:lnRef>
+          <a:fillRef idx="1">
+            <a:schemeClr val="accent1"/>
+          </a:fillRef>
+          <a:effectRef idx="0">
+            <a:schemeClr val="accent1"/>
+          </a:effectRef>
+          <a:fontRef idx="minor">
+            <a:schemeClr val="lt1"/>
+          </a:fontRef>
+        </p:style>
+        <p:txBody>
+          <a:bodyPr rtlCol="0" anchor="ctr"/>
+          <a:lstStyle/>
+          <a:p>
+            <a:pPr algn="ctr"/>
+            <a:r>
+              <a:rPr lang="en-US" sz="900" dirty="0">
+                <a:solidFill>
+                  <a:schemeClr val="tx1"/>
+                </a:solidFill>
+              </a:rPr>
+              <a:t>Led</a:t>
+            </a:r>
+            <a:endParaRPr lang="sv-SE" sz="900" dirty="0">
+              <a:solidFill>
+                <a:schemeClr val="tx1"/>
+              </a:solidFill>
+            </a:endParaRPr>
+          </a:p>
+        </p:txBody>
+      </p:sp>
+      <p:sp>
+        <p:nvSpPr>
+          <p:cNvPr id="17" name="Rectangle: Rounded Corners 16">
+            <a:extLst>
+              <a:ext uri="{FF2B5EF4-FFF2-40B4-BE49-F238E27FC236}">
+                <a16:creationId xmlns:a16="http://schemas.microsoft.com/office/drawing/2014/main" id="{D92CF86D-DF4B-ED47-741C-EA3394A8A002}"/>
+              </a:ext>
+            </a:extLst>
+          </p:cNvPr>
+          <p:cNvSpPr/>
+          <p:nvPr/>
+        </p:nvSpPr>
+        <p:spPr>
+          <a:xfrm>
+            <a:off x="6943723" y="4915853"/>
+            <a:ext cx="391477" cy="145733"/>
+          </a:xfrm>
+          <a:prstGeom prst="roundRect">
+            <a:avLst/>
+          </a:prstGeom>
+          <a:solidFill>
+            <a:srgbClr val="00B050"/>
+          </a:solidFill>
+        </p:spPr>
+        <p:style>
+          <a:lnRef idx="2">
+            <a:schemeClr val="accent1">
+              <a:shade val="50000"/>
+            </a:schemeClr>
+          </a:lnRef>
+          <a:fillRef idx="1">
+            <a:schemeClr val="accent1"/>
+          </a:fillRef>
+          <a:effectRef idx="0">
+            <a:schemeClr val="accent1"/>
+          </a:effectRef>
+          <a:fontRef idx="minor">
+            <a:schemeClr val="lt1"/>
+          </a:fontRef>
+        </p:style>
+        <p:txBody>
+          <a:bodyPr rtlCol="0" anchor="ctr"/>
+          <a:lstStyle/>
+          <a:p>
+            <a:pPr algn="ctr"/>
+            <a:r>
+              <a:rPr lang="en-US" sz="900" dirty="0"/>
+              <a:t>Led</a:t>
+            </a:r>
+            <a:endParaRPr lang="sv-SE" sz="900" dirty="0"/>
+          </a:p>
+        </p:txBody>
+      </p:sp>
+      <p:sp>
+        <p:nvSpPr>
+          <p:cNvPr id="18" name="Rectangle: Rounded Corners 17">
+            <a:extLst>
+              <a:ext uri="{FF2B5EF4-FFF2-40B4-BE49-F238E27FC236}">
+                <a16:creationId xmlns:a16="http://schemas.microsoft.com/office/drawing/2014/main" id="{6CF0FE0B-F9E9-1A97-E9D1-930A6830969A}"/>
+              </a:ext>
+            </a:extLst>
+          </p:cNvPr>
+          <p:cNvSpPr/>
+          <p:nvPr/>
+        </p:nvSpPr>
+        <p:spPr>
+          <a:xfrm>
+            <a:off x="6946581" y="4677728"/>
+            <a:ext cx="391477" cy="145733"/>
+          </a:xfrm>
+          <a:prstGeom prst="roundRect">
+            <a:avLst/>
+          </a:prstGeom>
+          <a:solidFill>
+            <a:srgbClr val="FFFF00"/>
+          </a:solidFill>
+        </p:spPr>
+        <p:style>
+          <a:lnRef idx="2">
+            <a:schemeClr val="accent1">
+              <a:shade val="50000"/>
+            </a:schemeClr>
+          </a:lnRef>
+          <a:fillRef idx="1">
+            <a:schemeClr val="accent1"/>
+          </a:fillRef>
+          <a:effectRef idx="0">
+            <a:schemeClr val="accent1"/>
+          </a:effectRef>
+          <a:fontRef idx="minor">
+            <a:schemeClr val="lt1"/>
+          </a:fontRef>
+        </p:style>
+        <p:txBody>
+          <a:bodyPr rtlCol="0" anchor="ctr"/>
+          <a:lstStyle/>
+          <a:p>
+            <a:pPr algn="ctr"/>
+            <a:r>
+              <a:rPr lang="en-US" sz="900" dirty="0">
+                <a:solidFill>
+                  <a:schemeClr val="tx1"/>
+                </a:solidFill>
+              </a:rPr>
+              <a:t>Led</a:t>
+            </a:r>
+            <a:endParaRPr lang="sv-SE" sz="900" dirty="0">
+              <a:solidFill>
+                <a:schemeClr val="tx1"/>
+              </a:solidFill>
+            </a:endParaRPr>
+          </a:p>
+        </p:txBody>
+      </p:sp>
+      <p:cxnSp>
+        <p:nvCxnSpPr>
+          <p:cNvPr id="20" name="Straight Connector 19">
+            <a:extLst>
+              <a:ext uri="{FF2B5EF4-FFF2-40B4-BE49-F238E27FC236}">
+                <a16:creationId xmlns:a16="http://schemas.microsoft.com/office/drawing/2014/main" id="{5E255A11-2225-FEA3-8465-6B14B3FE9AF5}"/>
+              </a:ext>
+            </a:extLst>
+          </p:cNvPr>
+          <p:cNvCxnSpPr/>
+          <p:nvPr/>
+        </p:nvCxnSpPr>
+        <p:spPr>
+          <a:xfrm flipH="1">
+            <a:off x="6572250" y="4233310"/>
+            <a:ext cx="348615" cy="0"/>
+          </a:xfrm>
+          <a:prstGeom prst="line">
+            <a:avLst/>
+          </a:prstGeom>
+        </p:spPr>
+        <p:style>
+          <a:lnRef idx="1">
+            <a:schemeClr val="accent1"/>
+          </a:lnRef>
+          <a:fillRef idx="0">
+            <a:schemeClr val="accent1"/>
+          </a:fillRef>
+          <a:effectRef idx="0">
+            <a:schemeClr val="accent1"/>
+          </a:effectRef>
+          <a:fontRef idx="minor">
+            <a:schemeClr val="tx1"/>
+          </a:fontRef>
+        </p:style>
+      </p:cxnSp>
+      <p:cxnSp>
+        <p:nvCxnSpPr>
+          <p:cNvPr id="22" name="Straight Connector 21">
+            <a:extLst>
+              <a:ext uri="{FF2B5EF4-FFF2-40B4-BE49-F238E27FC236}">
+                <a16:creationId xmlns:a16="http://schemas.microsoft.com/office/drawing/2014/main" id="{4F603B94-E0D3-1576-0F68-203CF691B76E}"/>
+              </a:ext>
+            </a:extLst>
+          </p:cNvPr>
+          <p:cNvCxnSpPr/>
+          <p:nvPr/>
+        </p:nvCxnSpPr>
+        <p:spPr>
+          <a:xfrm flipH="1">
+            <a:off x="6569393" y="4485113"/>
+            <a:ext cx="374329" cy="0"/>
+          </a:xfrm>
+          <a:prstGeom prst="line">
+            <a:avLst/>
+          </a:prstGeom>
+        </p:spPr>
+        <p:style>
+          <a:lnRef idx="1">
+            <a:schemeClr val="accent1"/>
+          </a:lnRef>
+          <a:fillRef idx="0">
+            <a:schemeClr val="accent1"/>
+          </a:fillRef>
+          <a:effectRef idx="0">
+            <a:schemeClr val="accent1"/>
+          </a:effectRef>
+          <a:fontRef idx="minor">
+            <a:schemeClr val="tx1"/>
+          </a:fontRef>
+        </p:style>
+      </p:cxnSp>
+      <p:cxnSp>
+        <p:nvCxnSpPr>
+          <p:cNvPr id="24" name="Straight Connector 23">
+            <a:extLst>
+              <a:ext uri="{FF2B5EF4-FFF2-40B4-BE49-F238E27FC236}">
+                <a16:creationId xmlns:a16="http://schemas.microsoft.com/office/drawing/2014/main" id="{0FD3D73A-5243-9551-0860-A76F77E28745}"/>
+              </a:ext>
+            </a:extLst>
+          </p:cNvPr>
+          <p:cNvCxnSpPr>
+            <a:stCxn id="18" idx="1"/>
+          </p:cNvCxnSpPr>
+          <p:nvPr/>
+        </p:nvCxnSpPr>
+        <p:spPr>
+          <a:xfrm flipH="1" flipV="1">
+            <a:off x="6572250" y="4750594"/>
+            <a:ext cx="374331" cy="1"/>
+          </a:xfrm>
+          <a:prstGeom prst="line">
+            <a:avLst/>
+          </a:prstGeom>
+        </p:spPr>
+        <p:style>
+          <a:lnRef idx="1">
+            <a:schemeClr val="accent1"/>
+          </a:lnRef>
+          <a:fillRef idx="0">
+            <a:schemeClr val="accent1"/>
+          </a:fillRef>
+          <a:effectRef idx="0">
+            <a:schemeClr val="accent1"/>
+          </a:effectRef>
+          <a:fontRef idx="minor">
+            <a:schemeClr val="tx1"/>
+          </a:fontRef>
+        </p:style>
+      </p:cxnSp>
+      <p:cxnSp>
+        <p:nvCxnSpPr>
+          <p:cNvPr id="26" name="Straight Connector 25">
+            <a:extLst>
+              <a:ext uri="{FF2B5EF4-FFF2-40B4-BE49-F238E27FC236}">
+                <a16:creationId xmlns:a16="http://schemas.microsoft.com/office/drawing/2014/main" id="{0FBDB3EF-948C-295B-009B-EE49AFA6810F}"/>
+              </a:ext>
+            </a:extLst>
+          </p:cNvPr>
+          <p:cNvCxnSpPr/>
+          <p:nvPr/>
+        </p:nvCxnSpPr>
+        <p:spPr>
+          <a:xfrm flipH="1">
+            <a:off x="6569393" y="4981471"/>
+            <a:ext cx="374329" cy="0"/>
+          </a:xfrm>
+          <a:prstGeom prst="line">
+            <a:avLst/>
+          </a:prstGeom>
+        </p:spPr>
+        <p:style>
+          <a:lnRef idx="1">
+            <a:schemeClr val="accent1"/>
+          </a:lnRef>
+          <a:fillRef idx="0">
+            <a:schemeClr val="accent1"/>
+          </a:fillRef>
+          <a:effectRef idx="0">
+            <a:schemeClr val="accent1"/>
+          </a:effectRef>
+          <a:fontRef idx="minor">
+            <a:schemeClr val="tx1"/>
+          </a:fontRef>
+        </p:style>
+      </p:cxnSp>
+      <p:sp>
+        <p:nvSpPr>
+          <p:cNvPr id="27" name="Oval 26">
+            <a:extLst>
+              <a:ext uri="{FF2B5EF4-FFF2-40B4-BE49-F238E27FC236}">
+                <a16:creationId xmlns:a16="http://schemas.microsoft.com/office/drawing/2014/main" id="{7785EF87-ED47-1E90-5D40-C335BCDAC550}"/>
+              </a:ext>
+            </a:extLst>
+          </p:cNvPr>
+          <p:cNvSpPr/>
+          <p:nvPr/>
+        </p:nvSpPr>
+        <p:spPr>
+          <a:xfrm>
+            <a:off x="1817452" y="5649277"/>
+            <a:ext cx="205740" cy="197168"/>
+          </a:xfrm>
+          <a:prstGeom prst="ellipse">
+            <a:avLst/>
+          </a:prstGeom>
+          <a:solidFill>
+            <a:schemeClr val="tx1"/>
+          </a:solidFill>
+        </p:spPr>
+        <p:style>
+          <a:lnRef idx="2">
+            <a:schemeClr val="accent1">
+              <a:shade val="50000"/>
+            </a:schemeClr>
+          </a:lnRef>
+          <a:fillRef idx="1">
+            <a:schemeClr val="accent1"/>
+          </a:fillRef>
+          <a:effectRef idx="0">
+            <a:schemeClr val="accent1"/>
+          </a:effectRef>
+          <a:fontRef idx="minor">
+            <a:schemeClr val="lt1"/>
+          </a:fontRef>
+        </p:style>
+        <p:txBody>
+          <a:bodyPr rtlCol="0" anchor="ctr"/>
+          <a:lstStyle/>
+          <a:p>
+            <a:pPr algn="ctr"/>
+            <a:endParaRPr lang="sv-SE"/>
+          </a:p>
+        </p:txBody>
+      </p:sp>
+      <p:sp>
+        <p:nvSpPr>
+          <p:cNvPr id="28" name="Oval 27">
+            <a:extLst>
+              <a:ext uri="{FF2B5EF4-FFF2-40B4-BE49-F238E27FC236}">
+                <a16:creationId xmlns:a16="http://schemas.microsoft.com/office/drawing/2014/main" id="{8CD95493-D67C-9330-6A7F-22DAB48F0E1A}"/>
+              </a:ext>
+            </a:extLst>
+          </p:cNvPr>
+          <p:cNvSpPr/>
+          <p:nvPr/>
+        </p:nvSpPr>
+        <p:spPr>
+          <a:xfrm>
+            <a:off x="1817452" y="5395913"/>
+            <a:ext cx="205740" cy="197168"/>
+          </a:xfrm>
+          <a:prstGeom prst="ellipse">
+            <a:avLst/>
+          </a:prstGeom>
+          <a:solidFill>
+            <a:schemeClr val="bg1"/>
+          </a:solidFill>
+        </p:spPr>
+        <p:style>
+          <a:lnRef idx="2">
+            <a:schemeClr val="accent1">
+              <a:shade val="50000"/>
+            </a:schemeClr>
+          </a:lnRef>
+          <a:fillRef idx="1">
+            <a:schemeClr val="accent1"/>
+          </a:fillRef>
+          <a:effectRef idx="0">
+            <a:schemeClr val="accent1"/>
+          </a:effectRef>
+          <a:fontRef idx="minor">
+            <a:schemeClr val="lt1"/>
+          </a:fontRef>
+        </p:style>
+        <p:txBody>
+          <a:bodyPr rtlCol="0" anchor="ctr"/>
+          <a:lstStyle/>
+          <a:p>
+            <a:pPr algn="ctr"/>
+            <a:endParaRPr lang="sv-SE"/>
+          </a:p>
+        </p:txBody>
+      </p:sp>
+      <p:sp>
+        <p:nvSpPr>
+          <p:cNvPr id="29" name="Oval 28">
+            <a:extLst>
+              <a:ext uri="{FF2B5EF4-FFF2-40B4-BE49-F238E27FC236}">
+                <a16:creationId xmlns:a16="http://schemas.microsoft.com/office/drawing/2014/main" id="{B1042579-A5CE-F0D1-8673-09DF441A740E}"/>
+              </a:ext>
+            </a:extLst>
+          </p:cNvPr>
+          <p:cNvSpPr/>
+          <p:nvPr/>
+        </p:nvSpPr>
+        <p:spPr>
+          <a:xfrm>
+            <a:off x="1817452" y="4915853"/>
+            <a:ext cx="205740" cy="197168"/>
+          </a:xfrm>
+          <a:prstGeom prst="ellipse">
+            <a:avLst/>
+          </a:prstGeom>
+          <a:solidFill>
+            <a:srgbClr val="00B050"/>
+          </a:solidFill>
+        </p:spPr>
+        <p:style>
+          <a:lnRef idx="2">
+            <a:schemeClr val="accent1">
+              <a:shade val="50000"/>
+            </a:schemeClr>
+          </a:lnRef>
+          <a:fillRef idx="1">
+            <a:schemeClr val="accent1"/>
+          </a:fillRef>
+          <a:effectRef idx="0">
+            <a:schemeClr val="accent1"/>
+          </a:effectRef>
+          <a:fontRef idx="minor">
+            <a:schemeClr val="lt1"/>
+          </a:fontRef>
+        </p:style>
+        <p:txBody>
+          <a:bodyPr rtlCol="0" anchor="ctr"/>
+          <a:lstStyle/>
+          <a:p>
+            <a:pPr algn="ctr"/>
+            <a:endParaRPr lang="sv-SE"/>
+          </a:p>
+        </p:txBody>
+      </p:sp>
+      <p:sp>
+        <p:nvSpPr>
+          <p:cNvPr id="30" name="Oval 29">
+            <a:extLst>
+              <a:ext uri="{FF2B5EF4-FFF2-40B4-BE49-F238E27FC236}">
+                <a16:creationId xmlns:a16="http://schemas.microsoft.com/office/drawing/2014/main" id="{C6E947BE-5068-47BE-3A26-A748F2D51B80}"/>
+              </a:ext>
+            </a:extLst>
+          </p:cNvPr>
+          <p:cNvSpPr/>
+          <p:nvPr/>
+        </p:nvSpPr>
+        <p:spPr>
+          <a:xfrm>
+            <a:off x="1817452" y="4640714"/>
+            <a:ext cx="205740" cy="197168"/>
+          </a:xfrm>
+          <a:prstGeom prst="ellipse">
+            <a:avLst/>
+          </a:prstGeom>
+          <a:solidFill>
+            <a:srgbClr val="FFFF00"/>
+          </a:solidFill>
+        </p:spPr>
+        <p:style>
+          <a:lnRef idx="2">
+            <a:schemeClr val="accent1">
+              <a:shade val="50000"/>
+            </a:schemeClr>
+          </a:lnRef>
+          <a:fillRef idx="1">
+            <a:schemeClr val="accent1"/>
+          </a:fillRef>
+          <a:effectRef idx="0">
+            <a:schemeClr val="accent1"/>
+          </a:effectRef>
+          <a:fontRef idx="minor">
+            <a:schemeClr val="lt1"/>
+          </a:fontRef>
+        </p:style>
+        <p:txBody>
+          <a:bodyPr rtlCol="0" anchor="ctr"/>
+          <a:lstStyle/>
+          <a:p>
+            <a:pPr algn="ctr"/>
+            <a:endParaRPr lang="sv-SE"/>
+          </a:p>
+        </p:txBody>
+      </p:sp>
+      <p:sp>
+        <p:nvSpPr>
+          <p:cNvPr id="31" name="Oval 30">
+            <a:extLst>
+              <a:ext uri="{FF2B5EF4-FFF2-40B4-BE49-F238E27FC236}">
+                <a16:creationId xmlns:a16="http://schemas.microsoft.com/office/drawing/2014/main" id="{CA48AA1C-DDEC-0D21-B84D-92671352EFDE}"/>
+              </a:ext>
+            </a:extLst>
+          </p:cNvPr>
+          <p:cNvSpPr/>
+          <p:nvPr/>
+        </p:nvSpPr>
+        <p:spPr>
+          <a:xfrm>
+            <a:off x="1817452" y="4130668"/>
+            <a:ext cx="205740" cy="197168"/>
+          </a:xfrm>
+          <a:prstGeom prst="ellipse">
+            <a:avLst/>
+          </a:prstGeom>
+          <a:solidFill>
+            <a:srgbClr val="FF0000"/>
+          </a:solidFill>
+        </p:spPr>
+        <p:style>
+          <a:lnRef idx="2">
+            <a:schemeClr val="accent1">
+              <a:shade val="50000"/>
+            </a:schemeClr>
+          </a:lnRef>
+          <a:fillRef idx="1">
+            <a:schemeClr val="accent1"/>
+          </a:fillRef>
+          <a:effectRef idx="0">
+            <a:schemeClr val="accent1"/>
+          </a:effectRef>
+          <a:fontRef idx="minor">
+            <a:schemeClr val="lt1"/>
+          </a:fontRef>
+        </p:style>
+        <p:txBody>
+          <a:bodyPr rtlCol="0" anchor="ctr"/>
+          <a:lstStyle/>
+          <a:p>
+            <a:pPr algn="ctr"/>
+            <a:endParaRPr lang="sv-SE"/>
+          </a:p>
+        </p:txBody>
+      </p:sp>
+      <p:sp>
+        <p:nvSpPr>
+          <p:cNvPr id="32" name="Oval 31">
+            <a:extLst>
+              <a:ext uri="{FF2B5EF4-FFF2-40B4-BE49-F238E27FC236}">
+                <a16:creationId xmlns:a16="http://schemas.microsoft.com/office/drawing/2014/main" id="{1B911BC6-005D-1074-98B6-89EE8E38BF5C}"/>
+              </a:ext>
+            </a:extLst>
+          </p:cNvPr>
+          <p:cNvSpPr/>
+          <p:nvPr/>
+        </p:nvSpPr>
+        <p:spPr>
+          <a:xfrm>
+            <a:off x="1818858" y="4385758"/>
+            <a:ext cx="205740" cy="197168"/>
+          </a:xfrm>
+          <a:prstGeom prst="ellipse">
+            <a:avLst/>
+          </a:prstGeom>
+        </p:spPr>
+        <p:style>
+          <a:lnRef idx="2">
+            <a:schemeClr val="accent1">
+              <a:shade val="50000"/>
+            </a:schemeClr>
+          </a:lnRef>
+          <a:fillRef idx="1">
+            <a:schemeClr val="accent1"/>
+          </a:fillRef>
+          <a:effectRef idx="0">
+            <a:schemeClr val="accent1"/>
+          </a:effectRef>
+          <a:fontRef idx="minor">
+            <a:schemeClr val="lt1"/>
+          </a:fontRef>
+        </p:style>
+        <p:txBody>
+          <a:bodyPr rtlCol="0" anchor="ctr"/>
+          <a:lstStyle/>
+          <a:p>
+            <a:pPr algn="ctr"/>
+            <a:endParaRPr lang="sv-SE"/>
+          </a:p>
+        </p:txBody>
+      </p:sp>
+      <p:cxnSp>
+        <p:nvCxnSpPr>
+          <p:cNvPr id="34" name="Straight Connector 33">
+            <a:extLst>
+              <a:ext uri="{FF2B5EF4-FFF2-40B4-BE49-F238E27FC236}">
+                <a16:creationId xmlns:a16="http://schemas.microsoft.com/office/drawing/2014/main" id="{13BB7044-05FD-E831-124F-607FF4393F01}"/>
+              </a:ext>
+            </a:extLst>
+          </p:cNvPr>
+          <p:cNvCxnSpPr>
+            <a:cxnSpLocks/>
+            <a:endCxn id="31" idx="6"/>
+          </p:cNvCxnSpPr>
+          <p:nvPr/>
+        </p:nvCxnSpPr>
+        <p:spPr>
+          <a:xfrm flipH="1" flipV="1">
+            <a:off x="2023192" y="4229252"/>
+            <a:ext cx="288526" cy="211"/>
+          </a:xfrm>
+          <a:prstGeom prst="line">
+            <a:avLst/>
+          </a:prstGeom>
+        </p:spPr>
+        <p:style>
+          <a:lnRef idx="1">
+            <a:schemeClr val="accent1"/>
+          </a:lnRef>
+          <a:fillRef idx="0">
+            <a:schemeClr val="accent1"/>
+          </a:fillRef>
+          <a:effectRef idx="0">
+            <a:schemeClr val="accent1"/>
+          </a:effectRef>
+          <a:fontRef idx="minor">
+            <a:schemeClr val="tx1"/>
+          </a:fontRef>
+        </p:style>
+      </p:cxnSp>
+      <p:cxnSp>
+        <p:nvCxnSpPr>
+          <p:cNvPr id="36" name="Straight Connector 35">
+            <a:extLst>
+              <a:ext uri="{FF2B5EF4-FFF2-40B4-BE49-F238E27FC236}">
+                <a16:creationId xmlns:a16="http://schemas.microsoft.com/office/drawing/2014/main" id="{5A06A347-B4C6-B31C-81FF-6A180062E52A}"/>
+              </a:ext>
+            </a:extLst>
+          </p:cNvPr>
+          <p:cNvCxnSpPr>
+            <a:cxnSpLocks/>
+            <a:endCxn id="32" idx="6"/>
+          </p:cNvCxnSpPr>
+          <p:nvPr/>
+        </p:nvCxnSpPr>
+        <p:spPr>
+          <a:xfrm flipH="1" flipV="1">
+            <a:off x="2024598" y="4484342"/>
+            <a:ext cx="287120" cy="14629"/>
+          </a:xfrm>
+          <a:prstGeom prst="line">
+            <a:avLst/>
+          </a:prstGeom>
+        </p:spPr>
+        <p:style>
+          <a:lnRef idx="1">
+            <a:schemeClr val="accent1"/>
+          </a:lnRef>
+          <a:fillRef idx="0">
+            <a:schemeClr val="accent1"/>
+          </a:fillRef>
+          <a:effectRef idx="0">
+            <a:schemeClr val="accent1"/>
+          </a:effectRef>
+          <a:fontRef idx="minor">
+            <a:schemeClr val="tx1"/>
+          </a:fontRef>
+        </p:style>
+      </p:cxnSp>
+      <p:cxnSp>
+        <p:nvCxnSpPr>
+          <p:cNvPr id="38" name="Straight Connector 37">
+            <a:extLst>
+              <a:ext uri="{FF2B5EF4-FFF2-40B4-BE49-F238E27FC236}">
+                <a16:creationId xmlns:a16="http://schemas.microsoft.com/office/drawing/2014/main" id="{5F427C6A-D6B3-1277-F7D5-492F0AB0DDBC}"/>
+              </a:ext>
+            </a:extLst>
+          </p:cNvPr>
+          <p:cNvCxnSpPr>
+            <a:cxnSpLocks/>
+            <a:endCxn id="30" idx="6"/>
+          </p:cNvCxnSpPr>
+          <p:nvPr/>
+        </p:nvCxnSpPr>
+        <p:spPr>
+          <a:xfrm flipH="1">
+            <a:off x="2023192" y="4732545"/>
+            <a:ext cx="288526" cy="6753"/>
+          </a:xfrm>
+          <a:prstGeom prst="line">
+            <a:avLst/>
+          </a:prstGeom>
+        </p:spPr>
+        <p:style>
+          <a:lnRef idx="1">
+            <a:schemeClr val="accent1"/>
+          </a:lnRef>
+          <a:fillRef idx="0">
+            <a:schemeClr val="accent1"/>
+          </a:fillRef>
+          <a:effectRef idx="0">
+            <a:schemeClr val="accent1"/>
+          </a:effectRef>
+          <a:fontRef idx="minor">
+            <a:schemeClr val="tx1"/>
+          </a:fontRef>
+        </p:style>
+      </p:cxnSp>
+      <p:cxnSp>
+        <p:nvCxnSpPr>
+          <p:cNvPr id="40" name="Straight Connector 39">
+            <a:extLst>
+              <a:ext uri="{FF2B5EF4-FFF2-40B4-BE49-F238E27FC236}">
+                <a16:creationId xmlns:a16="http://schemas.microsoft.com/office/drawing/2014/main" id="{2301A189-16CF-5DA5-1E74-CDA70F6F8999}"/>
+              </a:ext>
+            </a:extLst>
+          </p:cNvPr>
+          <p:cNvCxnSpPr>
+            <a:endCxn id="29" idx="6"/>
+          </p:cNvCxnSpPr>
+          <p:nvPr/>
+        </p:nvCxnSpPr>
+        <p:spPr>
+          <a:xfrm flipH="1">
+            <a:off x="2023192" y="5014437"/>
+            <a:ext cx="288526" cy="0"/>
+          </a:xfrm>
+          <a:prstGeom prst="line">
+            <a:avLst/>
+          </a:prstGeom>
+        </p:spPr>
+        <p:style>
+          <a:lnRef idx="1">
+            <a:schemeClr val="accent1"/>
+          </a:lnRef>
+          <a:fillRef idx="0">
+            <a:schemeClr val="accent1"/>
+          </a:fillRef>
+          <a:effectRef idx="0">
+            <a:schemeClr val="accent1"/>
+          </a:effectRef>
+          <a:fontRef idx="minor">
+            <a:schemeClr val="tx1"/>
+          </a:fontRef>
+        </p:style>
+      </p:cxnSp>
+      <p:cxnSp>
+        <p:nvCxnSpPr>
+          <p:cNvPr id="42" name="Straight Connector 41">
+            <a:extLst>
+              <a:ext uri="{FF2B5EF4-FFF2-40B4-BE49-F238E27FC236}">
+                <a16:creationId xmlns:a16="http://schemas.microsoft.com/office/drawing/2014/main" id="{FCFEDC9F-0993-867B-062F-73206E3C9436}"/>
+              </a:ext>
+            </a:extLst>
+          </p:cNvPr>
+          <p:cNvCxnSpPr>
+            <a:endCxn id="28" idx="6"/>
+          </p:cNvCxnSpPr>
+          <p:nvPr/>
+        </p:nvCxnSpPr>
+        <p:spPr>
+          <a:xfrm flipH="1">
+            <a:off x="2023192" y="5494497"/>
+            <a:ext cx="288526" cy="0"/>
+          </a:xfrm>
+          <a:prstGeom prst="line">
+            <a:avLst/>
+          </a:prstGeom>
+        </p:spPr>
+        <p:style>
+          <a:lnRef idx="1">
+            <a:schemeClr val="accent1"/>
+          </a:lnRef>
+          <a:fillRef idx="0">
+            <a:schemeClr val="accent1"/>
+          </a:fillRef>
+          <a:effectRef idx="0">
+            <a:schemeClr val="accent1"/>
+          </a:effectRef>
+          <a:fontRef idx="minor">
+            <a:schemeClr val="tx1"/>
+          </a:fontRef>
+        </p:style>
+      </p:cxnSp>
+      <p:cxnSp>
+        <p:nvCxnSpPr>
+          <p:cNvPr id="44" name="Straight Connector 43">
+            <a:extLst>
+              <a:ext uri="{FF2B5EF4-FFF2-40B4-BE49-F238E27FC236}">
+                <a16:creationId xmlns:a16="http://schemas.microsoft.com/office/drawing/2014/main" id="{C3C0FBE2-5DB8-3405-ED7D-815AB8BE37FB}"/>
+              </a:ext>
+            </a:extLst>
+          </p:cNvPr>
+          <p:cNvCxnSpPr>
+            <a:endCxn id="27" idx="6"/>
+          </p:cNvCxnSpPr>
+          <p:nvPr/>
+        </p:nvCxnSpPr>
+        <p:spPr>
+          <a:xfrm flipH="1">
+            <a:off x="2023192" y="5747861"/>
+            <a:ext cx="288526" cy="0"/>
+          </a:xfrm>
+          <a:prstGeom prst="line">
+            <a:avLst/>
+          </a:prstGeom>
+        </p:spPr>
+        <p:style>
+          <a:lnRef idx="1">
+            <a:schemeClr val="accent1"/>
+          </a:lnRef>
+          <a:fillRef idx="0">
+            <a:schemeClr val="accent1"/>
+          </a:fillRef>
+          <a:effectRef idx="0">
+            <a:schemeClr val="accent1"/>
+          </a:effectRef>
+          <a:fontRef idx="minor">
+            <a:schemeClr val="tx1"/>
+          </a:fontRef>
+        </p:style>
+      </p:cxnSp>
+      <p:pic>
+        <p:nvPicPr>
+          <p:cNvPr id="50" name="Picture 49">
+            <a:extLst>
+              <a:ext uri="{FF2B5EF4-FFF2-40B4-BE49-F238E27FC236}">
+                <a16:creationId xmlns:a16="http://schemas.microsoft.com/office/drawing/2014/main" id="{4BA4A0AB-E903-CE3C-7E2A-53B95DED6EF4}"/>
+              </a:ext>
+            </a:extLst>
+          </p:cNvPr>
+          <p:cNvPicPr>
+            <a:picLocks noChangeAspect="1"/>
+          </p:cNvPicPr>
+          <p:nvPr/>
+        </p:nvPicPr>
+        <p:blipFill>
+          <a:blip r:embed="rId3">
+            <a:extLst>
+              <a:ext uri="{28A0092B-C50C-407E-A947-70E740481C1C}">
+                <a14:useLocalDpi xmlns:a14="http://schemas.microsoft.com/office/drawing/2010/main" val="0"/>
+              </a:ext>
+            </a:extLst>
+          </a:blip>
+          <a:stretch>
+            <a:fillRect/>
+          </a:stretch>
+        </p:blipFill>
+        <p:spPr>
+          <a:xfrm rot="5400000">
+            <a:off x="1031646" y="3636623"/>
+            <a:ext cx="710308" cy="672119"/>
+          </a:xfrm>
+          <a:prstGeom prst="rect">
+            <a:avLst/>
+          </a:prstGeom>
+        </p:spPr>
+      </p:pic>
+      <p:cxnSp>
+        <p:nvCxnSpPr>
+          <p:cNvPr id="52" name="Straight Connector 51">
+            <a:extLst>
+              <a:ext uri="{FF2B5EF4-FFF2-40B4-BE49-F238E27FC236}">
+                <a16:creationId xmlns:a16="http://schemas.microsoft.com/office/drawing/2014/main" id="{9BBEA01C-2236-015E-7FA7-8910841B4C9B}"/>
+              </a:ext>
+            </a:extLst>
+          </p:cNvPr>
+          <p:cNvCxnSpPr>
+            <a:stCxn id="50" idx="0"/>
+          </p:cNvCxnSpPr>
+          <p:nvPr/>
+        </p:nvCxnSpPr>
+        <p:spPr>
+          <a:xfrm flipV="1">
+            <a:off x="1722860" y="3972682"/>
+            <a:ext cx="588858" cy="1"/>
+          </a:xfrm>
+          <a:prstGeom prst="line">
+            <a:avLst/>
+          </a:prstGeom>
+        </p:spPr>
+        <p:style>
+          <a:lnRef idx="1">
+            <a:schemeClr val="accent1"/>
+          </a:lnRef>
+          <a:fillRef idx="0">
+            <a:schemeClr val="accent1"/>
+          </a:fillRef>
+          <a:effectRef idx="0">
+            <a:schemeClr val="accent1"/>
+          </a:effectRef>
+          <a:fontRef idx="minor">
+            <a:schemeClr val="tx1"/>
+          </a:fontRef>
+        </p:style>
+      </p:cxnSp>
+      <p:sp>
+        <p:nvSpPr>
+          <p:cNvPr id="53" name="TextBox 52">
+            <a:extLst>
+              <a:ext uri="{FF2B5EF4-FFF2-40B4-BE49-F238E27FC236}">
+                <a16:creationId xmlns:a16="http://schemas.microsoft.com/office/drawing/2014/main" id="{E93C7054-F967-75D9-22DF-BAE3F2910D3D}"/>
+              </a:ext>
+            </a:extLst>
+          </p:cNvPr>
+          <p:cNvSpPr txBox="1"/>
+          <p:nvPr/>
+        </p:nvSpPr>
+        <p:spPr>
+          <a:xfrm rot="16200000">
+            <a:off x="1066889" y="4754584"/>
+            <a:ext cx="913327" cy="369332"/>
+          </a:xfrm>
+          <a:prstGeom prst="rect">
+            <a:avLst/>
+          </a:prstGeom>
+          <a:noFill/>
+        </p:spPr>
+        <p:txBody>
+          <a:bodyPr wrap="none" rtlCol="0">
+            <a:spAutoFit/>
+          </a:bodyPr>
+          <a:lstStyle/>
+          <a:p>
+            <a:r>
+              <a:rPr lang="en-US" dirty="0"/>
+              <a:t>Buttons</a:t>
+            </a:r>
+            <a:endParaRPr lang="sv-SE" dirty="0"/>
+          </a:p>
+        </p:txBody>
+      </p:sp>
+    </p:spTree>
+    <p:extLst>
+      <p:ext uri="{BB962C8B-B14F-4D97-AF65-F5344CB8AC3E}">
+        <p14:creationId xmlns:p14="http://schemas.microsoft.com/office/powerpoint/2010/main" val="999921991"/>
+      </p:ext>
+    </p:extLst>
+  </p:cSld>
+  <p:clrMapOvr>
+    <a:masterClrMapping/>
+  </p:clrMapOvr>
+</p:sld>
+</file>
+
 <file path=ppt/theme/theme1.xml><?xml version="1.0" encoding="utf-8"?>
 <a:theme xmlns:a="http://schemas.openxmlformats.org/drawingml/2006/main" name="Office Theme">
   <a:themeElements>

--- a/Box/Labels.pptx
+++ b/Box/Labels.pptx
@@ -5574,7 +5574,7 @@
         </p:nvSpPr>
         <p:spPr>
           <a:xfrm>
-            <a:off x="1817452" y="5649277"/>
+            <a:off x="1817452" y="3650379"/>
             <a:ext cx="205740" cy="197168"/>
           </a:xfrm>
           <a:prstGeom prst="ellipse">
@@ -5623,7 +5623,7 @@
         </p:nvSpPr>
         <p:spPr>
           <a:xfrm>
-            <a:off x="1817452" y="5395913"/>
+            <a:off x="1817452" y="3397015"/>
             <a:ext cx="205740" cy="197168"/>
           </a:xfrm>
           <a:prstGeom prst="ellipse">
@@ -6022,7 +6022,7 @@
         </p:nvCxnSpPr>
         <p:spPr>
           <a:xfrm flipH="1">
-            <a:off x="2023192" y="5494497"/>
+            <a:off x="2023192" y="3495599"/>
             <a:ext cx="288526" cy="0"/>
           </a:xfrm>
           <a:prstGeom prst="line">
@@ -6060,7 +6060,7 @@
         </p:nvCxnSpPr>
         <p:spPr>
           <a:xfrm flipH="1">
-            <a:off x="2023192" y="5747861"/>
+            <a:off x="2023192" y="3748963"/>
             <a:ext cx="288526" cy="0"/>
           </a:xfrm>
           <a:prstGeom prst="line">
@@ -6110,7 +6110,7 @@
         </p:blipFill>
         <p:spPr>
           <a:xfrm rot="5400000">
-            <a:off x="1031646" y="3636623"/>
+            <a:off x="1126238" y="2373526"/>
             <a:ext cx="710308" cy="672119"/>
           </a:xfrm>
           <a:prstGeom prst="rect">
@@ -6134,7 +6134,7 @@
         </p:nvCxnSpPr>
         <p:spPr>
           <a:xfrm flipV="1">
-            <a:off x="1722860" y="3972682"/>
+            <a:off x="1817452" y="2709585"/>
             <a:ext cx="588858" cy="1"/>
           </a:xfrm>
           <a:prstGeom prst="line">
@@ -6170,7 +6170,7 @@
         </p:nvSpPr>
         <p:spPr>
           <a:xfrm rot="16200000">
-            <a:off x="1066889" y="4754584"/>
+            <a:off x="1078756" y="3975777"/>
             <a:ext cx="913327" cy="369332"/>
           </a:xfrm>
           <a:prstGeom prst="rect">
